--- a/JE/Du papier au numérique la gestion des caractères grecs ligaturés_v3horizon.pptx
+++ b/JE/Du papier au numérique la gestion des caractères grecs ligaturés_v3horizon.pptx
@@ -243,7 +243,7 @@
           <a:p>
             <a:fld id="{3BD5C212-487B-6C4F-B1DA-B19548653D45}" type="datetimeFigureOut">
               <a:rPr lang="fr-FR" smtClean="0"/>
-              <a:t>31/08/2022</a:t>
+              <a:t>02/09/2022</a:t>
             </a:fld>
             <a:endParaRPr lang="fr-FR"/>
           </a:p>
@@ -384,7 +384,7 @@
           <a:p>
             <a:fld id="{3BD5C212-487B-6C4F-B1DA-B19548653D45}" type="datetimeFigureOut">
               <a:rPr lang="fr-FR" smtClean="0"/>
-              <a:t>31/08/2022</a:t>
+              <a:t>02/09/2022</a:t>
             </a:fld>
             <a:endParaRPr lang="fr-FR"/>
           </a:p>
@@ -535,7 +535,7 @@
           <a:p>
             <a:fld id="{3BD5C212-487B-6C4F-B1DA-B19548653D45}" type="datetimeFigureOut">
               <a:rPr lang="fr-FR" smtClean="0"/>
-              <a:t>31/08/2022</a:t>
+              <a:t>02/09/2022</a:t>
             </a:fld>
             <a:endParaRPr lang="fr-FR"/>
           </a:p>
@@ -676,7 +676,7 @@
           <a:p>
             <a:fld id="{3BD5C212-487B-6C4F-B1DA-B19548653D45}" type="datetimeFigureOut">
               <a:rPr lang="fr-FR" smtClean="0"/>
-              <a:t>31/08/2022</a:t>
+              <a:t>02/09/2022</a:t>
             </a:fld>
             <a:endParaRPr lang="fr-FR"/>
           </a:p>
@@ -920,7 +920,7 @@
           <a:p>
             <a:fld id="{3BD5C212-487B-6C4F-B1DA-B19548653D45}" type="datetimeFigureOut">
               <a:rPr lang="fr-FR" smtClean="0"/>
-              <a:t>31/08/2022</a:t>
+              <a:t>02/09/2022</a:t>
             </a:fld>
             <a:endParaRPr lang="fr-FR"/>
           </a:p>
@@ -1099,7 +1099,7 @@
           <a:p>
             <a:fld id="{3BD5C212-487B-6C4F-B1DA-B19548653D45}" type="datetimeFigureOut">
               <a:rPr lang="fr-FR" smtClean="0"/>
-              <a:t>31/08/2022</a:t>
+              <a:t>02/09/2022</a:t>
             </a:fld>
             <a:endParaRPr lang="fr-FR"/>
           </a:p>
@@ -1423,7 +1423,7 @@
           <a:p>
             <a:fld id="{3BD5C212-487B-6C4F-B1DA-B19548653D45}" type="datetimeFigureOut">
               <a:rPr lang="fr-FR" smtClean="0"/>
-              <a:t>31/08/2022</a:t>
+              <a:t>02/09/2022</a:t>
             </a:fld>
             <a:endParaRPr lang="fr-FR"/>
           </a:p>
@@ -1536,7 +1536,7 @@
           <a:p>
             <a:fld id="{3BD5C212-487B-6C4F-B1DA-B19548653D45}" type="datetimeFigureOut">
               <a:rPr lang="fr-FR" smtClean="0"/>
-              <a:t>31/08/2022</a:t>
+              <a:t>02/09/2022</a:t>
             </a:fld>
             <a:endParaRPr lang="fr-FR"/>
           </a:p>
@@ -1626,7 +1626,7 @@
           <a:p>
             <a:fld id="{3BD5C212-487B-6C4F-B1DA-B19548653D45}" type="datetimeFigureOut">
               <a:rPr lang="fr-FR" smtClean="0"/>
-              <a:t>31/08/2022</a:t>
+              <a:t>02/09/2022</a:t>
             </a:fld>
             <a:endParaRPr lang="fr-FR"/>
           </a:p>
@@ -1879,7 +1879,7 @@
           <a:p>
             <a:fld id="{3BD5C212-487B-6C4F-B1DA-B19548653D45}" type="datetimeFigureOut">
               <a:rPr lang="fr-FR" smtClean="0"/>
-              <a:t>31/08/2022</a:t>
+              <a:t>02/09/2022</a:t>
             </a:fld>
             <a:endParaRPr lang="fr-FR"/>
           </a:p>
@@ -2136,7 +2136,7 @@
           <a:p>
             <a:fld id="{3BD5C212-487B-6C4F-B1DA-B19548653D45}" type="datetimeFigureOut">
               <a:rPr lang="fr-FR" smtClean="0"/>
-              <a:t>31/08/2022</a:t>
+              <a:t>02/09/2022</a:t>
             </a:fld>
             <a:endParaRPr lang="fr-FR"/>
           </a:p>
@@ -2320,7 +2320,7 @@
           <a:p>
             <a:fld id="{3BD5C212-487B-6C4F-B1DA-B19548653D45}" type="datetimeFigureOut">
               <a:rPr lang="fr-FR" smtClean="0"/>
-              <a:t>31/08/2022</a:t>
+              <a:t>02/09/2022</a:t>
             </a:fld>
             <a:endParaRPr lang="fr-FR"/>
           </a:p>
@@ -3131,8 +3131,8 @@
         </p:blipFill>
         <p:spPr>
           <a:xfrm>
-            <a:off x="9802102" y="4970436"/>
-            <a:ext cx="3846909" cy="1524132"/>
+            <a:off x="9471546" y="4929952"/>
+            <a:ext cx="4027339" cy="1595618"/>
           </a:xfrm>
           <a:prstGeom prst="rect">
             <a:avLst/>

--- a/JE/Du papier au numérique la gestion des caractères grecs ligaturés_v3horizon.pptx
+++ b/JE/Du papier au numérique la gestion des caractères grecs ligaturés_v3horizon.pptx
@@ -3153,8 +3153,8 @@
         </p:nvSpPr>
         <p:spPr>
           <a:xfrm>
-            <a:off x="857647" y="6489353"/>
-            <a:ext cx="3450192" cy="992579"/>
+            <a:off x="835867" y="6489353"/>
+            <a:ext cx="3450192" cy="461665"/>
           </a:xfrm>
           <a:prstGeom prst="rect">
             <a:avLst/>
@@ -3178,9 +3178,6 @@
               <a:latin typeface="Helvetica" panose="020B0604020202020204" pitchFamily="34" charset="0"/>
               <a:cs typeface="Helvetica" panose="020B0604020202020204" pitchFamily="34" charset="0"/>
             </a:endParaRPr>
-          </a:p>
-          <a:p>
-            <a:endParaRPr lang="en-GB" dirty="0"/>
           </a:p>
         </p:txBody>
       </p:sp>
@@ -3198,8 +3195,8 @@
         </p:nvSpPr>
         <p:spPr>
           <a:xfrm>
-            <a:off x="13618612" y="5063375"/>
-            <a:ext cx="4676855" cy="1869743"/>
+            <a:off x="13618612" y="4393637"/>
+            <a:ext cx="6266176" cy="4060663"/>
           </a:xfrm>
           <a:prstGeom prst="rect">
             <a:avLst/>
@@ -3212,62 +3209,49 @@
           </a:bodyPr>
           <a:lstStyle/>
           <a:p>
-            <a:r>
-              <a:rPr lang="fr-FR" sz="2700" dirty="0">
+            <a:pPr algn="just">
+              <a:lnSpc>
+                <a:spcPct val="150000"/>
+              </a:lnSpc>
+            </a:pPr>
+            <a:r>
+              <a:rPr lang="fr-FR" sz="2500" dirty="0">
+                <a:solidFill>
+                  <a:srgbClr val="000000"/>
+                </a:solidFill>
+                <a:effectLst/>
                 <a:latin typeface="Helvetica" panose="020B0604020202020204" pitchFamily="34" charset="0"/>
                 <a:cs typeface="Helvetica" panose="020B0604020202020204" pitchFamily="34" charset="0"/>
               </a:rPr>
-              <a:t>Exemple d’apprentissage de la ligature « </a:t>
-            </a:r>
-            <a:r>
-              <a:rPr lang="el-GR" sz="2700" dirty="0">
+              <a:t>Exemple d’apprentissage de la ligature « </a:t>
+            </a:r>
+            <a:r>
+              <a:rPr lang="fr-FR" sz="2500" dirty="0" err="1">
+                <a:effectLst/>
                 <a:latin typeface="Helvetica" panose="020B0604020202020204" pitchFamily="34" charset="0"/>
                 <a:cs typeface="Helvetica" panose="020B0604020202020204" pitchFamily="34" charset="0"/>
               </a:rPr>
-              <a:t>σθαι</a:t>
-            </a:r>
-            <a:r>
-              <a:rPr lang="fr-FR" sz="2700" dirty="0">
+              <a:t>σθ</a:t>
+            </a:r>
+            <a:r>
+              <a:rPr lang="fr-FR" sz="2500" dirty="0">
+                <a:effectLst/>
                 <a:latin typeface="Helvetica" panose="020B0604020202020204" pitchFamily="34" charset="0"/>
                 <a:cs typeface="Helvetica" panose="020B0604020202020204" pitchFamily="34" charset="0"/>
               </a:rPr>
-              <a:t> », dans Abby </a:t>
-            </a:r>
-            <a:r>
-              <a:rPr lang="fr-FR" sz="2700" dirty="0" err="1">
+              <a:t>αι </a:t>
+            </a:r>
+            <a:r>
+              <a:rPr lang="fr-FR" sz="2500" dirty="0">
+                <a:solidFill>
+                  <a:srgbClr val="000000"/>
+                </a:solidFill>
+                <a:effectLst/>
                 <a:latin typeface="Helvetica" panose="020B0604020202020204" pitchFamily="34" charset="0"/>
                 <a:cs typeface="Helvetica" panose="020B0604020202020204" pitchFamily="34" charset="0"/>
               </a:rPr>
-              <a:t>Deep</a:t>
-            </a:r>
-            <a:r>
-              <a:rPr lang="fr-FR" sz="2700" dirty="0">
-                <a:latin typeface="Helvetica" panose="020B0604020202020204" pitchFamily="34" charset="0"/>
-                <a:cs typeface="Helvetica" panose="020B0604020202020204" pitchFamily="34" charset="0"/>
-              </a:rPr>
-              <a:t> </a:t>
-            </a:r>
-            <a:r>
-              <a:rPr lang="fr-FR" sz="2700" dirty="0" err="1">
-                <a:latin typeface="Helvetica" panose="020B0604020202020204" pitchFamily="34" charset="0"/>
-                <a:cs typeface="Helvetica" panose="020B0604020202020204" pitchFamily="34" charset="0"/>
-              </a:rPr>
-              <a:t>reader</a:t>
-            </a:r>
-            <a:r>
-              <a:rPr lang="fr-FR" sz="2700" dirty="0">
-                <a:latin typeface="Helvetica" panose="020B0604020202020204" pitchFamily="34" charset="0"/>
-                <a:cs typeface="Helvetica" panose="020B0604020202020204" pitchFamily="34" charset="0"/>
-              </a:rPr>
-              <a:t>.</a:t>
-            </a:r>
-            <a:endParaRPr lang="en-GB" sz="2700" dirty="0">
-              <a:latin typeface="Helvetica" panose="020B0604020202020204" pitchFamily="34" charset="0"/>
-              <a:cs typeface="Helvetica" panose="020B0604020202020204" pitchFamily="34" charset="0"/>
-            </a:endParaRPr>
-          </a:p>
-          <a:p>
-            <a:endParaRPr lang="en-GB" dirty="0"/>
+              <a:t>», dans Abby Deep Reader. Une fois apprit le caractère peut-être reconnu par l’OCR problème posé par le grand nombre de ligatures(+1000 selon les imprimés) qu’il faut apprendre avant de pouvoir les reconnaître correctement.</a:t>
+            </a:r>
           </a:p>
         </p:txBody>
       </p:sp>
@@ -3293,7 +3277,7 @@
         </p:blipFill>
         <p:spPr>
           <a:xfrm>
-            <a:off x="857647" y="7367028"/>
+            <a:off x="835867" y="7206329"/>
             <a:ext cx="6925656" cy="1304657"/>
           </a:xfrm>
           <a:prstGeom prst="rect">
@@ -3315,7 +3299,7 @@
         </p:nvSpPr>
         <p:spPr>
           <a:xfrm>
-            <a:off x="835867" y="8697925"/>
+            <a:off x="827153" y="8509207"/>
             <a:ext cx="5665072" cy="461665"/>
           </a:xfrm>
           <a:prstGeom prst="rect">
@@ -3331,7 +3315,7 @@
           <a:p>
             <a:r>
               <a:rPr lang="nl-NL" sz="2400" dirty="0"/>
-              <a:t>James Fr., XVIIIe, vol.3, p. 1059</a:t>
+              <a:t>James Fr., XVIIIe, vol.3, p. 1059.</a:t>
             </a:r>
             <a:endParaRPr lang="en-GB" sz="2400" dirty="0"/>
           </a:p>
@@ -3564,7 +3548,7 @@
           </a:bodyPr>
           <a:lstStyle/>
           <a:p>
-            <a:pPr marL="0" marR="0" lvl="0" indent="0" algn="l" defTabSz="1752082" rtl="0" eaLnBrk="1" fontAlgn="auto" latinLnBrk="0" hangingPunct="1">
+            <a:pPr marL="0" marR="0" lvl="0" indent="0" algn="just" defTabSz="1752082" rtl="0" eaLnBrk="1" fontAlgn="auto" latinLnBrk="0" hangingPunct="1">
               <a:lnSpc>
                 <a:spcPct val="100000"/>
               </a:lnSpc>

--- a/JE/Du papier au numérique la gestion des caractères grecs ligaturés_v3horizon.pptx
+++ b/JE/Du papier au numérique la gestion des caractères grecs ligaturés_v3horizon.pptx
@@ -243,7 +243,7 @@
           <a:p>
             <a:fld id="{3BD5C212-487B-6C4F-B1DA-B19548653D45}" type="datetimeFigureOut">
               <a:rPr lang="fr-FR" smtClean="0"/>
-              <a:t>02/09/2022</a:t>
+              <a:t>06/09/2022</a:t>
             </a:fld>
             <a:endParaRPr lang="fr-FR"/>
           </a:p>
@@ -384,7 +384,7 @@
           <a:p>
             <a:fld id="{3BD5C212-487B-6C4F-B1DA-B19548653D45}" type="datetimeFigureOut">
               <a:rPr lang="fr-FR" smtClean="0"/>
-              <a:t>02/09/2022</a:t>
+              <a:t>06/09/2022</a:t>
             </a:fld>
             <a:endParaRPr lang="fr-FR"/>
           </a:p>
@@ -535,7 +535,7 @@
           <a:p>
             <a:fld id="{3BD5C212-487B-6C4F-B1DA-B19548653D45}" type="datetimeFigureOut">
               <a:rPr lang="fr-FR" smtClean="0"/>
-              <a:t>02/09/2022</a:t>
+              <a:t>06/09/2022</a:t>
             </a:fld>
             <a:endParaRPr lang="fr-FR"/>
           </a:p>
@@ -676,7 +676,7 @@
           <a:p>
             <a:fld id="{3BD5C212-487B-6C4F-B1DA-B19548653D45}" type="datetimeFigureOut">
               <a:rPr lang="fr-FR" smtClean="0"/>
-              <a:t>02/09/2022</a:t>
+              <a:t>06/09/2022</a:t>
             </a:fld>
             <a:endParaRPr lang="fr-FR"/>
           </a:p>
@@ -920,7 +920,7 @@
           <a:p>
             <a:fld id="{3BD5C212-487B-6C4F-B1DA-B19548653D45}" type="datetimeFigureOut">
               <a:rPr lang="fr-FR" smtClean="0"/>
-              <a:t>02/09/2022</a:t>
+              <a:t>06/09/2022</a:t>
             </a:fld>
             <a:endParaRPr lang="fr-FR"/>
           </a:p>
@@ -1099,7 +1099,7 @@
           <a:p>
             <a:fld id="{3BD5C212-487B-6C4F-B1DA-B19548653D45}" type="datetimeFigureOut">
               <a:rPr lang="fr-FR" smtClean="0"/>
-              <a:t>02/09/2022</a:t>
+              <a:t>06/09/2022</a:t>
             </a:fld>
             <a:endParaRPr lang="fr-FR"/>
           </a:p>
@@ -1423,7 +1423,7 @@
           <a:p>
             <a:fld id="{3BD5C212-487B-6C4F-B1DA-B19548653D45}" type="datetimeFigureOut">
               <a:rPr lang="fr-FR" smtClean="0"/>
-              <a:t>02/09/2022</a:t>
+              <a:t>06/09/2022</a:t>
             </a:fld>
             <a:endParaRPr lang="fr-FR"/>
           </a:p>
@@ -1536,7 +1536,7 @@
           <a:p>
             <a:fld id="{3BD5C212-487B-6C4F-B1DA-B19548653D45}" type="datetimeFigureOut">
               <a:rPr lang="fr-FR" smtClean="0"/>
-              <a:t>02/09/2022</a:t>
+              <a:t>06/09/2022</a:t>
             </a:fld>
             <a:endParaRPr lang="fr-FR"/>
           </a:p>
@@ -1626,7 +1626,7 @@
           <a:p>
             <a:fld id="{3BD5C212-487B-6C4F-B1DA-B19548653D45}" type="datetimeFigureOut">
               <a:rPr lang="fr-FR" smtClean="0"/>
-              <a:t>02/09/2022</a:t>
+              <a:t>06/09/2022</a:t>
             </a:fld>
             <a:endParaRPr lang="fr-FR"/>
           </a:p>
@@ -1879,7 +1879,7 @@
           <a:p>
             <a:fld id="{3BD5C212-487B-6C4F-B1DA-B19548653D45}" type="datetimeFigureOut">
               <a:rPr lang="fr-FR" smtClean="0"/>
-              <a:t>02/09/2022</a:t>
+              <a:t>06/09/2022</a:t>
             </a:fld>
             <a:endParaRPr lang="fr-FR"/>
           </a:p>
@@ -2136,7 +2136,7 @@
           <a:p>
             <a:fld id="{3BD5C212-487B-6C4F-B1DA-B19548653D45}" type="datetimeFigureOut">
               <a:rPr lang="fr-FR" smtClean="0"/>
-              <a:t>02/09/2022</a:t>
+              <a:t>06/09/2022</a:t>
             </a:fld>
             <a:endParaRPr lang="fr-FR"/>
           </a:p>
@@ -2320,7 +2320,7 @@
           <a:p>
             <a:fld id="{3BD5C212-487B-6C4F-B1DA-B19548653D45}" type="datetimeFigureOut">
               <a:rPr lang="fr-FR" smtClean="0"/>
-              <a:t>02/09/2022</a:t>
+              <a:t>06/09/2022</a:t>
             </a:fld>
             <a:endParaRPr lang="fr-FR"/>
           </a:p>
@@ -2732,10 +2732,14 @@
           <p:cNvPicPr>
             <a:picLocks noChangeAspect="1"/>
           </p:cNvPicPr>
-          <p:nvPr/>
+          <p:nvPr>
+            <p:custDataLst>
+              <p:tags r:id="rId1"/>
+            </p:custDataLst>
+          </p:nvPr>
         </p:nvPicPr>
         <p:blipFill>
-          <a:blip r:embed="rId2"/>
+          <a:blip r:embed="rId22"/>
           <a:stretch>
             <a:fillRect/>
           </a:stretch>
@@ -2762,10 +2766,14 @@
           <p:cNvPicPr>
             <a:picLocks noChangeAspect="1"/>
           </p:cNvPicPr>
-          <p:nvPr/>
+          <p:nvPr>
+            <p:custDataLst>
+              <p:tags r:id="rId2"/>
+            </p:custDataLst>
+          </p:nvPr>
         </p:nvPicPr>
         <p:blipFill>
-          <a:blip r:embed="rId3"/>
+          <a:blip r:embed="rId23"/>
           <a:stretch>
             <a:fillRect/>
           </a:stretch>
@@ -2790,7 +2798,11 @@
             </a:extLst>
           </p:cNvPr>
           <p:cNvSpPr txBox="1"/>
-          <p:nvPr/>
+          <p:nvPr>
+            <p:custDataLst>
+              <p:tags r:id="rId3"/>
+            </p:custDataLst>
+          </p:nvPr>
         </p:nvSpPr>
         <p:spPr>
           <a:xfrm>
@@ -3091,10 +3103,14 @@
           <p:cNvPicPr>
             <a:picLocks noChangeAspect="1"/>
           </p:cNvPicPr>
-          <p:nvPr/>
+          <p:nvPr>
+            <p:custDataLst>
+              <p:tags r:id="rId4"/>
+            </p:custDataLst>
+          </p:nvPr>
         </p:nvPicPr>
         <p:blipFill>
-          <a:blip r:embed="rId4"/>
+          <a:blip r:embed="rId24"/>
           <a:stretch>
             <a:fillRect/>
           </a:stretch>
@@ -3121,10 +3137,14 @@
           <p:cNvPicPr>
             <a:picLocks noChangeAspect="1"/>
           </p:cNvPicPr>
-          <p:nvPr/>
+          <p:nvPr>
+            <p:custDataLst>
+              <p:tags r:id="rId5"/>
+            </p:custDataLst>
+          </p:nvPr>
         </p:nvPicPr>
         <p:blipFill>
-          <a:blip r:embed="rId5"/>
+          <a:blip r:embed="rId25"/>
           <a:stretch>
             <a:fillRect/>
           </a:stretch>
@@ -3149,7 +3169,11 @@
             </a:extLst>
           </p:cNvPr>
           <p:cNvSpPr txBox="1"/>
-          <p:nvPr/>
+          <p:nvPr>
+            <p:custDataLst>
+              <p:tags r:id="rId6"/>
+            </p:custDataLst>
+          </p:nvPr>
         </p:nvSpPr>
         <p:spPr>
           <a:xfrm>
@@ -3191,7 +3215,11 @@
             </a:extLst>
           </p:cNvPr>
           <p:cNvSpPr txBox="1"/>
-          <p:nvPr/>
+          <p:nvPr>
+            <p:custDataLst>
+              <p:tags r:id="rId7"/>
+            </p:custDataLst>
+          </p:nvPr>
         </p:nvSpPr>
         <p:spPr>
           <a:xfrm>
@@ -3250,7 +3278,7 @@
                 <a:latin typeface="Helvetica" panose="020B0604020202020204" pitchFamily="34" charset="0"/>
                 <a:cs typeface="Helvetica" panose="020B0604020202020204" pitchFamily="34" charset="0"/>
               </a:rPr>
-              <a:t>», dans Abby Deep Reader. Une fois apprit le caractère peut-être reconnu par l’OCR problème posé par le grand nombre de ligatures(+1000 selon les imprimés) qu’il faut apprendre avant de pouvoir les reconnaître correctement.</a:t>
+              <a:t>», dans Abby Deep Reader. Une fois apprit le caractère peut-être reconnu par l’OCR problème posé par le grand nombre de ligatures (+1000 selon les imprimés) qu’il faut apprendre avant de pouvoir les reconnaître correctement.</a:t>
             </a:r>
           </a:p>
         </p:txBody>
@@ -3267,10 +3295,14 @@
           <p:cNvPicPr>
             <a:picLocks noChangeAspect="1"/>
           </p:cNvPicPr>
-          <p:nvPr/>
+          <p:nvPr>
+            <p:custDataLst>
+              <p:tags r:id="rId8"/>
+            </p:custDataLst>
+          </p:nvPr>
         </p:nvPicPr>
         <p:blipFill>
-          <a:blip r:embed="rId6"/>
+          <a:blip r:embed="rId26"/>
           <a:stretch>
             <a:fillRect/>
           </a:stretch>
@@ -3295,7 +3327,11 @@
             </a:extLst>
           </p:cNvPr>
           <p:cNvSpPr txBox="1"/>
-          <p:nvPr/>
+          <p:nvPr>
+            <p:custDataLst>
+              <p:tags r:id="rId9"/>
+            </p:custDataLst>
+          </p:nvPr>
         </p:nvSpPr>
         <p:spPr>
           <a:xfrm>
@@ -3314,8 +3350,15 @@
           <a:lstStyle/>
           <a:p>
             <a:r>
+              <a:rPr lang="nl-NL" sz="2400" dirty="0">
+                <a:latin typeface="Helvetica" panose="020B0604020202020204" pitchFamily="34" charset="0"/>
+                <a:cs typeface="Helvetica" panose="020B0604020202020204" pitchFamily="34" charset="0"/>
+              </a:rPr>
+              <a:t>James Fr., XVIIIe, vol.3, p. 1059</a:t>
+            </a:r>
+            <a:r>
               <a:rPr lang="nl-NL" sz="2400" dirty="0"/>
-              <a:t>James Fr., XVIIIe, vol.3, p. 1059.</a:t>
+              <a:t>.</a:t>
             </a:r>
             <a:endParaRPr lang="en-GB" sz="2400" dirty="0"/>
           </a:p>
@@ -3331,7 +3374,11 @@
             </a:extLst>
           </p:cNvPr>
           <p:cNvSpPr txBox="1"/>
-          <p:nvPr/>
+          <p:nvPr>
+            <p:custDataLst>
+              <p:tags r:id="rId10"/>
+            </p:custDataLst>
+          </p:nvPr>
         </p:nvSpPr>
         <p:spPr>
           <a:xfrm>
@@ -3412,10 +3459,14 @@
           <p:cNvPicPr>
             <a:picLocks noChangeAspect="1"/>
           </p:cNvPicPr>
-          <p:nvPr/>
+          <p:nvPr>
+            <p:custDataLst>
+              <p:tags r:id="rId11"/>
+            </p:custDataLst>
+          </p:nvPr>
         </p:nvPicPr>
         <p:blipFill>
-          <a:blip r:embed="rId7"/>
+          <a:blip r:embed="rId27"/>
           <a:stretch>
             <a:fillRect/>
           </a:stretch>
@@ -3442,10 +3493,14 @@
           <p:cNvPicPr>
             <a:picLocks noChangeAspect="1"/>
           </p:cNvPicPr>
-          <p:nvPr/>
+          <p:nvPr>
+            <p:custDataLst>
+              <p:tags r:id="rId12"/>
+            </p:custDataLst>
+          </p:nvPr>
         </p:nvPicPr>
         <p:blipFill>
-          <a:blip r:embed="rId8"/>
+          <a:blip r:embed="rId28"/>
           <a:stretch>
             <a:fillRect/>
           </a:stretch>
@@ -3472,10 +3527,14 @@
           <p:cNvPicPr>
             <a:picLocks noChangeAspect="1"/>
           </p:cNvPicPr>
-          <p:nvPr/>
+          <p:nvPr>
+            <p:custDataLst>
+              <p:tags r:id="rId13"/>
+            </p:custDataLst>
+          </p:nvPr>
         </p:nvPicPr>
         <p:blipFill>
-          <a:blip r:embed="rId9"/>
+          <a:blip r:embed="rId29"/>
           <a:stretch>
             <a:fillRect/>
           </a:stretch>
@@ -3502,10 +3561,14 @@
           <p:cNvPicPr>
             <a:picLocks noChangeAspect="1"/>
           </p:cNvPicPr>
-          <p:nvPr/>
+          <p:nvPr>
+            <p:custDataLst>
+              <p:tags r:id="rId14"/>
+            </p:custDataLst>
+          </p:nvPr>
         </p:nvPicPr>
         <p:blipFill>
-          <a:blip r:embed="rId10"/>
+          <a:blip r:embed="rId30"/>
           <a:stretch>
             <a:fillRect/>
           </a:stretch>
@@ -3530,11 +3593,15 @@
             </a:extLst>
           </p:cNvPr>
           <p:cNvSpPr txBox="1"/>
-          <p:nvPr/>
+          <p:nvPr>
+            <p:custDataLst>
+              <p:tags r:id="rId15"/>
+            </p:custDataLst>
+          </p:nvPr>
         </p:nvSpPr>
         <p:spPr>
           <a:xfrm>
-            <a:off x="11326341" y="11614262"/>
+            <a:off x="11326341" y="11555384"/>
             <a:ext cx="5498619" cy="1631216"/>
           </a:xfrm>
           <a:prstGeom prst="rect">
@@ -3580,7 +3647,7 @@
                 <a:ea typeface="+mn-ea"/>
                 <a:cs typeface="Helvetica" panose="020B0604020202020204" pitchFamily="34" charset="0"/>
               </a:rPr>
-              <a:t>Le placement des diacritiques, varie entre les époques et les traditions d’imprimerie, ce qui pousse à une standardisation.</a:t>
+              <a:t>Le placement des diacritiques, varie entre les époques et les traditions d’imprimerie, ce qui demande à L’OCR à une standardisation.</a:t>
             </a:r>
             <a:endParaRPr kumimoji="0" lang="en-GB" sz="2500" b="0" i="0" u="none" strike="noStrike" kern="1200" cap="none" spc="0" normalizeH="0" baseline="0" noProof="0" dirty="0">
               <a:ln>
@@ -3611,10 +3678,14 @@
           <p:cNvPicPr>
             <a:picLocks noChangeAspect="1"/>
           </p:cNvPicPr>
-          <p:nvPr/>
+          <p:nvPr>
+            <p:custDataLst>
+              <p:tags r:id="rId16"/>
+            </p:custDataLst>
+          </p:nvPr>
         </p:nvPicPr>
         <p:blipFill>
-          <a:blip r:embed="rId11"/>
+          <a:blip r:embed="rId31"/>
           <a:stretch>
             <a:fillRect/>
           </a:stretch>
@@ -3641,10 +3712,14 @@
           <p:cNvPicPr>
             <a:picLocks noChangeAspect="1"/>
           </p:cNvPicPr>
-          <p:nvPr/>
+          <p:nvPr>
+            <p:custDataLst>
+              <p:tags r:id="rId17"/>
+            </p:custDataLst>
+          </p:nvPr>
         </p:nvPicPr>
         <p:blipFill>
-          <a:blip r:embed="rId12"/>
+          <a:blip r:embed="rId32"/>
           <a:stretch>
             <a:fillRect/>
           </a:stretch>
@@ -3671,10 +3746,14 @@
           <p:cNvPicPr>
             <a:picLocks noChangeAspect="1"/>
           </p:cNvPicPr>
-          <p:nvPr/>
+          <p:nvPr>
+            <p:custDataLst>
+              <p:tags r:id="rId18"/>
+            </p:custDataLst>
+          </p:nvPr>
         </p:nvPicPr>
         <p:blipFill>
-          <a:blip r:embed="rId12"/>
+          <a:blip r:embed="rId32"/>
           <a:stretch>
             <a:fillRect/>
           </a:stretch>
@@ -3699,7 +3778,11 @@
             </a:extLst>
           </p:cNvPr>
           <p:cNvSpPr txBox="1"/>
-          <p:nvPr/>
+          <p:nvPr>
+            <p:custDataLst>
+              <p:tags r:id="rId19"/>
+            </p:custDataLst>
+          </p:nvPr>
         </p:nvSpPr>
         <p:spPr>
           <a:xfrm>
@@ -3812,7 +3895,11 @@
             </a:extLst>
           </p:cNvPr>
           <p:cNvSpPr txBox="1"/>
-          <p:nvPr/>
+          <p:nvPr>
+            <p:custDataLst>
+              <p:tags r:id="rId20"/>
+            </p:custDataLst>
+          </p:nvPr>
         </p:nvSpPr>
         <p:spPr>
           <a:xfrm>
@@ -3887,6 +3974,126 @@
     <a:masterClrMapping/>
   </p:clrMapOvr>
 </p:sld>
+</file>
+
+<file path=ppt/tags/tag1.xml><?xml version="1.0" encoding="utf-8"?>
+<p:tagLst xmlns:a="http://schemas.openxmlformats.org/drawingml/2006/main" xmlns:r="http://schemas.openxmlformats.org/officeDocument/2006/relationships" xmlns:p="http://schemas.openxmlformats.org/presentationml/2006/main">
+  <p:tag name="NUM" val="1"/>
+</p:tagLst>
+</file>
+
+<file path=ppt/tags/tag10.xml><?xml version="1.0" encoding="utf-8"?>
+<p:tagLst xmlns:a="http://schemas.openxmlformats.org/drawingml/2006/main" xmlns:r="http://schemas.openxmlformats.org/officeDocument/2006/relationships" xmlns:p="http://schemas.openxmlformats.org/presentationml/2006/main">
+  <p:tag name="NUM" val="10"/>
+</p:tagLst>
+</file>
+
+<file path=ppt/tags/tag11.xml><?xml version="1.0" encoding="utf-8"?>
+<p:tagLst xmlns:a="http://schemas.openxmlformats.org/drawingml/2006/main" xmlns:r="http://schemas.openxmlformats.org/officeDocument/2006/relationships" xmlns:p="http://schemas.openxmlformats.org/presentationml/2006/main">
+  <p:tag name="NUM" val="11"/>
+</p:tagLst>
+</file>
+
+<file path=ppt/tags/tag12.xml><?xml version="1.0" encoding="utf-8"?>
+<p:tagLst xmlns:a="http://schemas.openxmlformats.org/drawingml/2006/main" xmlns:r="http://schemas.openxmlformats.org/officeDocument/2006/relationships" xmlns:p="http://schemas.openxmlformats.org/presentationml/2006/main">
+  <p:tag name="NUM" val="12"/>
+</p:tagLst>
+</file>
+
+<file path=ppt/tags/tag13.xml><?xml version="1.0" encoding="utf-8"?>
+<p:tagLst xmlns:a="http://schemas.openxmlformats.org/drawingml/2006/main" xmlns:r="http://schemas.openxmlformats.org/officeDocument/2006/relationships" xmlns:p="http://schemas.openxmlformats.org/presentationml/2006/main">
+  <p:tag name="NUM" val="13"/>
+</p:tagLst>
+</file>
+
+<file path=ppt/tags/tag14.xml><?xml version="1.0" encoding="utf-8"?>
+<p:tagLst xmlns:a="http://schemas.openxmlformats.org/drawingml/2006/main" xmlns:r="http://schemas.openxmlformats.org/officeDocument/2006/relationships" xmlns:p="http://schemas.openxmlformats.org/presentationml/2006/main">
+  <p:tag name="NUM" val="14"/>
+</p:tagLst>
+</file>
+
+<file path=ppt/tags/tag15.xml><?xml version="1.0" encoding="utf-8"?>
+<p:tagLst xmlns:a="http://schemas.openxmlformats.org/drawingml/2006/main" xmlns:r="http://schemas.openxmlformats.org/officeDocument/2006/relationships" xmlns:p="http://schemas.openxmlformats.org/presentationml/2006/main">
+  <p:tag name="NUM" val="15"/>
+</p:tagLst>
+</file>
+
+<file path=ppt/tags/tag16.xml><?xml version="1.0" encoding="utf-8"?>
+<p:tagLst xmlns:a="http://schemas.openxmlformats.org/drawingml/2006/main" xmlns:r="http://schemas.openxmlformats.org/officeDocument/2006/relationships" xmlns:p="http://schemas.openxmlformats.org/presentationml/2006/main">
+  <p:tag name="NUM" val="16"/>
+</p:tagLst>
+</file>
+
+<file path=ppt/tags/tag17.xml><?xml version="1.0" encoding="utf-8"?>
+<p:tagLst xmlns:a="http://schemas.openxmlformats.org/drawingml/2006/main" xmlns:r="http://schemas.openxmlformats.org/officeDocument/2006/relationships" xmlns:p="http://schemas.openxmlformats.org/presentationml/2006/main">
+  <p:tag name="NUM" val="17"/>
+</p:tagLst>
+</file>
+
+<file path=ppt/tags/tag18.xml><?xml version="1.0" encoding="utf-8"?>
+<p:tagLst xmlns:a="http://schemas.openxmlformats.org/drawingml/2006/main" xmlns:r="http://schemas.openxmlformats.org/officeDocument/2006/relationships" xmlns:p="http://schemas.openxmlformats.org/presentationml/2006/main">
+  <p:tag name="NUM" val="18"/>
+</p:tagLst>
+</file>
+
+<file path=ppt/tags/tag19.xml><?xml version="1.0" encoding="utf-8"?>
+<p:tagLst xmlns:a="http://schemas.openxmlformats.org/drawingml/2006/main" xmlns:r="http://schemas.openxmlformats.org/officeDocument/2006/relationships" xmlns:p="http://schemas.openxmlformats.org/presentationml/2006/main">
+  <p:tag name="NUM" val="19"/>
+</p:tagLst>
+</file>
+
+<file path=ppt/tags/tag2.xml><?xml version="1.0" encoding="utf-8"?>
+<p:tagLst xmlns:a="http://schemas.openxmlformats.org/drawingml/2006/main" xmlns:r="http://schemas.openxmlformats.org/officeDocument/2006/relationships" xmlns:p="http://schemas.openxmlformats.org/presentationml/2006/main">
+  <p:tag name="NUM" val="2"/>
+</p:tagLst>
+</file>
+
+<file path=ppt/tags/tag20.xml><?xml version="1.0" encoding="utf-8"?>
+<p:tagLst xmlns:a="http://schemas.openxmlformats.org/drawingml/2006/main" xmlns:r="http://schemas.openxmlformats.org/officeDocument/2006/relationships" xmlns:p="http://schemas.openxmlformats.org/presentationml/2006/main">
+  <p:tag name="NUM" val="20"/>
+</p:tagLst>
+</file>
+
+<file path=ppt/tags/tag3.xml><?xml version="1.0" encoding="utf-8"?>
+<p:tagLst xmlns:a="http://schemas.openxmlformats.org/drawingml/2006/main" xmlns:r="http://schemas.openxmlformats.org/officeDocument/2006/relationships" xmlns:p="http://schemas.openxmlformats.org/presentationml/2006/main">
+  <p:tag name="NUM" val="3"/>
+</p:tagLst>
+</file>
+
+<file path=ppt/tags/tag4.xml><?xml version="1.0" encoding="utf-8"?>
+<p:tagLst xmlns:a="http://schemas.openxmlformats.org/drawingml/2006/main" xmlns:r="http://schemas.openxmlformats.org/officeDocument/2006/relationships" xmlns:p="http://schemas.openxmlformats.org/presentationml/2006/main">
+  <p:tag name="NUM" val="4"/>
+</p:tagLst>
+</file>
+
+<file path=ppt/tags/tag5.xml><?xml version="1.0" encoding="utf-8"?>
+<p:tagLst xmlns:a="http://schemas.openxmlformats.org/drawingml/2006/main" xmlns:r="http://schemas.openxmlformats.org/officeDocument/2006/relationships" xmlns:p="http://schemas.openxmlformats.org/presentationml/2006/main">
+  <p:tag name="NUM" val="5"/>
+</p:tagLst>
+</file>
+
+<file path=ppt/tags/tag6.xml><?xml version="1.0" encoding="utf-8"?>
+<p:tagLst xmlns:a="http://schemas.openxmlformats.org/drawingml/2006/main" xmlns:r="http://schemas.openxmlformats.org/officeDocument/2006/relationships" xmlns:p="http://schemas.openxmlformats.org/presentationml/2006/main">
+  <p:tag name="NUM" val="6"/>
+</p:tagLst>
+</file>
+
+<file path=ppt/tags/tag7.xml><?xml version="1.0" encoding="utf-8"?>
+<p:tagLst xmlns:a="http://schemas.openxmlformats.org/drawingml/2006/main" xmlns:r="http://schemas.openxmlformats.org/officeDocument/2006/relationships" xmlns:p="http://schemas.openxmlformats.org/presentationml/2006/main">
+  <p:tag name="NUM" val="7"/>
+</p:tagLst>
+</file>
+
+<file path=ppt/tags/tag8.xml><?xml version="1.0" encoding="utf-8"?>
+<p:tagLst xmlns:a="http://schemas.openxmlformats.org/drawingml/2006/main" xmlns:r="http://schemas.openxmlformats.org/officeDocument/2006/relationships" xmlns:p="http://schemas.openxmlformats.org/presentationml/2006/main">
+  <p:tag name="NUM" val="8"/>
+</p:tagLst>
+</file>
+
+<file path=ppt/tags/tag9.xml><?xml version="1.0" encoding="utf-8"?>
+<p:tagLst xmlns:a="http://schemas.openxmlformats.org/drawingml/2006/main" xmlns:r="http://schemas.openxmlformats.org/officeDocument/2006/relationships" xmlns:p="http://schemas.openxmlformats.org/presentationml/2006/main">
+  <p:tag name="NUM" val="9"/>
+</p:tagLst>
 </file>
 
 <file path=ppt/theme/theme1.xml><?xml version="1.0" encoding="utf-8"?>
